--- a/camel-demo/src/docs/Presentatie1.pptx
+++ b/camel-demo/src/docs/Presentatie1.pptx
@@ -124,6 +124,11 @@
       </a:defRPr>
     </a:lvl9pPr>
   </p:defaultTextStyle>
+  <p:extLst>
+    <p:ext uri="{EFAFB233-063F-42B5-8137-9DF3F51BA10A}">
+      <p15:sldGuideLst xmlns:p15="http://schemas.microsoft.com/office/powerpoint/2012/main"/>
+    </p:ext>
+  </p:extLst>
 </p:presentation>
 </file>
 
@@ -209,7 +214,7 @@
           <a:p>
             <a:fld id="{8E21A533-75AC-4333-9EB7-F6E127782E34}" type="datetimeFigureOut">
               <a:rPr lang="nl-NL" smtClean="0"/>
-              <a:t>1-3-2022</a:t>
+              <a:t>2-3-2022</a:t>
             </a:fld>
             <a:endParaRPr lang="nl-NL"/>
           </a:p>
@@ -608,7 +613,7 @@
           <a:p>
             <a:fld id="{CC289D00-37C7-4B63-9CCC-04C11FF140C9}" type="datetimeFigureOut">
               <a:rPr lang="nl-NL" smtClean="0"/>
-              <a:t>1-3-2022</a:t>
+              <a:t>2-3-2022</a:t>
             </a:fld>
             <a:endParaRPr lang="nl-NL"/>
           </a:p>
@@ -778,7 +783,7 @@
           <a:p>
             <a:fld id="{CC289D00-37C7-4B63-9CCC-04C11FF140C9}" type="datetimeFigureOut">
               <a:rPr lang="nl-NL" smtClean="0"/>
-              <a:t>1-3-2022</a:t>
+              <a:t>2-3-2022</a:t>
             </a:fld>
             <a:endParaRPr lang="nl-NL"/>
           </a:p>
@@ -958,7 +963,7 @@
           <a:p>
             <a:fld id="{CC289D00-37C7-4B63-9CCC-04C11FF140C9}" type="datetimeFigureOut">
               <a:rPr lang="nl-NL" smtClean="0"/>
-              <a:t>1-3-2022</a:t>
+              <a:t>2-3-2022</a:t>
             </a:fld>
             <a:endParaRPr lang="nl-NL"/>
           </a:p>
@@ -1128,7 +1133,7 @@
           <a:p>
             <a:fld id="{CC289D00-37C7-4B63-9CCC-04C11FF140C9}" type="datetimeFigureOut">
               <a:rPr lang="nl-NL" smtClean="0"/>
-              <a:t>1-3-2022</a:t>
+              <a:t>2-3-2022</a:t>
             </a:fld>
             <a:endParaRPr lang="nl-NL"/>
           </a:p>
@@ -1374,7 +1379,7 @@
           <a:p>
             <a:fld id="{CC289D00-37C7-4B63-9CCC-04C11FF140C9}" type="datetimeFigureOut">
               <a:rPr lang="nl-NL" smtClean="0"/>
-              <a:t>1-3-2022</a:t>
+              <a:t>2-3-2022</a:t>
             </a:fld>
             <a:endParaRPr lang="nl-NL"/>
           </a:p>
@@ -1606,7 +1611,7 @@
           <a:p>
             <a:fld id="{CC289D00-37C7-4B63-9CCC-04C11FF140C9}" type="datetimeFigureOut">
               <a:rPr lang="nl-NL" smtClean="0"/>
-              <a:t>1-3-2022</a:t>
+              <a:t>2-3-2022</a:t>
             </a:fld>
             <a:endParaRPr lang="nl-NL"/>
           </a:p>
@@ -1973,7 +1978,7 @@
           <a:p>
             <a:fld id="{CC289D00-37C7-4B63-9CCC-04C11FF140C9}" type="datetimeFigureOut">
               <a:rPr lang="nl-NL" smtClean="0"/>
-              <a:t>1-3-2022</a:t>
+              <a:t>2-3-2022</a:t>
             </a:fld>
             <a:endParaRPr lang="nl-NL"/>
           </a:p>
@@ -2091,7 +2096,7 @@
           <a:p>
             <a:fld id="{CC289D00-37C7-4B63-9CCC-04C11FF140C9}" type="datetimeFigureOut">
               <a:rPr lang="nl-NL" smtClean="0"/>
-              <a:t>1-3-2022</a:t>
+              <a:t>2-3-2022</a:t>
             </a:fld>
             <a:endParaRPr lang="nl-NL"/>
           </a:p>
@@ -2186,7 +2191,7 @@
           <a:p>
             <a:fld id="{CC289D00-37C7-4B63-9CCC-04C11FF140C9}" type="datetimeFigureOut">
               <a:rPr lang="nl-NL" smtClean="0"/>
-              <a:t>1-3-2022</a:t>
+              <a:t>2-3-2022</a:t>
             </a:fld>
             <a:endParaRPr lang="nl-NL"/>
           </a:p>
@@ -2463,7 +2468,7 @@
           <a:p>
             <a:fld id="{CC289D00-37C7-4B63-9CCC-04C11FF140C9}" type="datetimeFigureOut">
               <a:rPr lang="nl-NL" smtClean="0"/>
-              <a:t>1-3-2022</a:t>
+              <a:t>2-3-2022</a:t>
             </a:fld>
             <a:endParaRPr lang="nl-NL"/>
           </a:p>
@@ -2716,7 +2721,7 @@
           <a:p>
             <a:fld id="{CC289D00-37C7-4B63-9CCC-04C11FF140C9}" type="datetimeFigureOut">
               <a:rPr lang="nl-NL" smtClean="0"/>
-              <a:t>1-3-2022</a:t>
+              <a:t>2-3-2022</a:t>
             </a:fld>
             <a:endParaRPr lang="nl-NL"/>
           </a:p>
@@ -2929,7 +2934,7 @@
           <a:p>
             <a:fld id="{CC289D00-37C7-4B63-9CCC-04C11FF140C9}" type="datetimeFigureOut">
               <a:rPr lang="nl-NL" smtClean="0"/>
-              <a:t>1-3-2022</a:t>
+              <a:t>2-3-2022</a:t>
             </a:fld>
             <a:endParaRPr lang="nl-NL"/>
           </a:p>
@@ -3402,6 +3407,13 @@
   <p:clrMapOvr>
     <a:masterClrMapping/>
   </p:clrMapOvr>
+  <p:timing>
+    <p:tnLst>
+      <p:par>
+        <p:cTn id="1" dur="indefinite" restart="never" nodeType="tmRoot"/>
+      </p:par>
+    </p:tnLst>
+  </p:timing>
 </p:sld>
 </file>
 
@@ -3684,6 +3696,13 @@
   <p:clrMapOvr>
     <a:masterClrMapping/>
   </p:clrMapOvr>
+  <p:timing>
+    <p:tnLst>
+      <p:par>
+        <p:cTn id="1" dur="indefinite" restart="never" nodeType="tmRoot"/>
+      </p:par>
+    </p:tnLst>
+  </p:timing>
 </p:sld>
 </file>
 
@@ -3976,6 +3995,13 @@
   <p:clrMapOvr>
     <a:masterClrMapping/>
   </p:clrMapOvr>
+  <p:timing>
+    <p:tnLst>
+      <p:par>
+        <p:cTn id="1" dur="indefinite" restart="never" nodeType="tmRoot"/>
+      </p:par>
+    </p:tnLst>
+  </p:timing>
 </p:sld>
 </file>
 
@@ -4275,6 +4301,13 @@
   <p:clrMapOvr>
     <a:masterClrMapping/>
   </p:clrMapOvr>
+  <p:timing>
+    <p:tnLst>
+      <p:par>
+        <p:cTn id="1" dur="indefinite" restart="never" nodeType="tmRoot"/>
+      </p:par>
+    </p:tnLst>
+  </p:timing>
 </p:sld>
 </file>
 
@@ -4595,6 +4628,13 @@
   <p:clrMapOvr>
     <a:masterClrMapping/>
   </p:clrMapOvr>
+  <p:timing>
+    <p:tnLst>
+      <p:par>
+        <p:cTn id="1" dur="indefinite" restart="never" nodeType="tmRoot"/>
+      </p:par>
+    </p:tnLst>
+  </p:timing>
 </p:sld>
 </file>
 
@@ -4938,6 +4978,13 @@
   <p:clrMapOvr>
     <a:masterClrMapping/>
   </p:clrMapOvr>
+  <p:timing>
+    <p:tnLst>
+      <p:par>
+        <p:cTn id="1" dur="indefinite" restart="never" nodeType="tmRoot"/>
+      </p:par>
+    </p:tnLst>
+  </p:timing>
 </p:sld>
 </file>
 
@@ -5238,6 +5285,13 @@
   <p:clrMapOvr>
     <a:masterClrMapping/>
   </p:clrMapOvr>
+  <p:timing>
+    <p:tnLst>
+      <p:par>
+        <p:cTn id="1" dur="indefinite" restart="never" nodeType="tmRoot"/>
+      </p:par>
+    </p:tnLst>
+  </p:timing>
 </p:sld>
 </file>
 
@@ -5538,6 +5592,13 @@
   <p:clrMapOvr>
     <a:masterClrMapping/>
   </p:clrMapOvr>
+  <p:timing>
+    <p:tnLst>
+      <p:par>
+        <p:cTn id="1" dur="indefinite" restart="never" nodeType="tmRoot"/>
+      </p:par>
+    </p:tnLst>
+  </p:timing>
 </p:sld>
 </file>
 
@@ -5650,6 +5711,13 @@
   <p:clrMapOvr>
     <a:masterClrMapping/>
   </p:clrMapOvr>
+  <p:timing>
+    <p:tnLst>
+      <p:par>
+        <p:cTn id="1" dur="indefinite" restart="never" nodeType="tmRoot"/>
+      </p:par>
+    </p:tnLst>
+  </p:timing>
 </p:sld>
 </file>
 
@@ -5731,7 +5799,7 @@
         <p:spPr>
           <a:xfrm>
             <a:off x="838200" y="1583473"/>
-            <a:ext cx="10703312" cy="1200329"/>
+            <a:ext cx="10703312" cy="2308324"/>
           </a:xfrm>
           <a:prstGeom prst="rect">
             <a:avLst/>
@@ -5823,6 +5891,33 @@
             <a:r>
               <a:rPr lang="nl-NL" dirty="0" err="1" smtClean="0"/>
               <a:t>OpenShift</a:t>
+            </a:r>
+            <a:endParaRPr lang="nl-NL" dirty="0" smtClean="0"/>
+          </a:p>
+          <a:p>
+            <a:pPr marL="285750" indent="-285750">
+              <a:buFont typeface="Arial" panose="020B0604020202020204" pitchFamily="34" charset="0"/>
+              <a:buChar char="•"/>
+            </a:pPr>
+            <a:endParaRPr lang="en-US" dirty="0"/>
+          </a:p>
+          <a:p>
+            <a:pPr marL="285750" indent="-285750">
+              <a:buFont typeface="Arial" panose="020B0604020202020204" pitchFamily="34" charset="0"/>
+              <a:buChar char="•"/>
+            </a:pPr>
+            <a:endParaRPr lang="en-US" dirty="0" smtClean="0"/>
+          </a:p>
+          <a:p>
+            <a:pPr marL="285750" indent="-285750">
+              <a:buFont typeface="Arial" panose="020B0604020202020204" pitchFamily="34" charset="0"/>
+              <a:buChar char="•"/>
+            </a:pPr>
+            <a:r>
+              <a:rPr lang="en-US" dirty="0">
+                <a:hlinkClick r:id="rId3"/>
+              </a:rPr>
+              <a:t>Enterprise Integration Patterns (EIP) using Apache Camel | What is Apache Camel and how to use it? - YouTube</a:t>
             </a:r>
             <a:endParaRPr lang="nl-NL" dirty="0"/>
           </a:p>
@@ -5838,6 +5933,13 @@
   <p:clrMapOvr>
     <a:masterClrMapping/>
   </p:clrMapOvr>
+  <p:timing>
+    <p:tnLst>
+      <p:par>
+        <p:cTn id="1" dur="indefinite" restart="never" nodeType="tmRoot"/>
+      </p:par>
+    </p:tnLst>
+  </p:timing>
 </p:sld>
 </file>
 
@@ -5920,6 +6022,13 @@
   <p:clrMapOvr>
     <a:masterClrMapping/>
   </p:clrMapOvr>
+  <p:timing>
+    <p:tnLst>
+      <p:par>
+        <p:cTn id="1" dur="indefinite" restart="never" nodeType="tmRoot"/>
+      </p:par>
+    </p:tnLst>
+  </p:timing>
 </p:sld>
 </file>
 
@@ -6036,7 +6145,15 @@
             </a:r>
             <a:r>
               <a:rPr lang="nl-NL" dirty="0" smtClean="0"/>
-              <a:t> waarmee je gemakkelijk verschillende systemen kunt integreren door het Produceren en Consumeren van data</a:t>
+              <a:t> waarmee je gemakkelijk verschillende systemen kunt integreren door het </a:t>
+            </a:r>
+            <a:r>
+              <a:rPr lang="nl-NL" dirty="0" smtClean="0"/>
+              <a:t>Produceren en </a:t>
+            </a:r>
+            <a:r>
+              <a:rPr lang="nl-NL" dirty="0" smtClean="0"/>
+              <a:t>Consumeren van data</a:t>
             </a:r>
             <a:endParaRPr lang="nl-NL" dirty="0"/>
           </a:p>
@@ -6052,6 +6169,13 @@
   <p:clrMapOvr>
     <a:masterClrMapping/>
   </p:clrMapOvr>
+  <p:timing>
+    <p:tnLst>
+      <p:par>
+        <p:cTn id="1" dur="indefinite" restart="never" nodeType="tmRoot"/>
+      </p:par>
+    </p:tnLst>
+  </p:timing>
 </p:sld>
 </file>
 
@@ -6210,6 +6334,13 @@
   <p:clrMapOvr>
     <a:masterClrMapping/>
   </p:clrMapOvr>
+  <p:timing>
+    <p:tnLst>
+      <p:par>
+        <p:cTn id="1" dur="indefinite" restart="never" nodeType="tmRoot"/>
+      </p:par>
+    </p:tnLst>
+  </p:timing>
 </p:sld>
 </file>
 
@@ -6386,6 +6517,13 @@
   <p:clrMapOvr>
     <a:masterClrMapping/>
   </p:clrMapOvr>
+  <p:timing>
+    <p:tnLst>
+      <p:par>
+        <p:cTn id="1" dur="indefinite" restart="never" nodeType="tmRoot"/>
+      </p:par>
+    </p:tnLst>
+  </p:timing>
 </p:sld>
 </file>
 
@@ -6591,6 +6729,13 @@
   <p:clrMapOvr>
     <a:masterClrMapping/>
   </p:clrMapOvr>
+  <p:timing>
+    <p:tnLst>
+      <p:par>
+        <p:cTn id="1" dur="indefinite" restart="never" nodeType="tmRoot"/>
+      </p:par>
+    </p:tnLst>
+  </p:timing>
 </p:sld>
 </file>
 
@@ -6787,6 +6932,13 @@
   <p:clrMapOvr>
     <a:masterClrMapping/>
   </p:clrMapOvr>
+  <p:timing>
+    <p:tnLst>
+      <p:par>
+        <p:cTn id="1" dur="indefinite" restart="never" nodeType="tmRoot"/>
+      </p:par>
+    </p:tnLst>
+  </p:timing>
 </p:sld>
 </file>
 
@@ -7071,6 +7223,13 @@
   <p:clrMapOvr>
     <a:masterClrMapping/>
   </p:clrMapOvr>
+  <p:timing>
+    <p:tnLst>
+      <p:par>
+        <p:cTn id="1" dur="indefinite" restart="never" nodeType="tmRoot"/>
+      </p:par>
+    </p:tnLst>
+  </p:timing>
 </p:sld>
 </file>
 
@@ -7355,6 +7514,13 @@
   <p:clrMapOvr>
     <a:masterClrMapping/>
   </p:clrMapOvr>
+  <p:timing>
+    <p:tnLst>
+      <p:par>
+        <p:cTn id="1" dur="indefinite" restart="never" nodeType="tmRoot"/>
+      </p:par>
+    </p:tnLst>
+  </p:timing>
 </p:sld>
 </file>
 
